--- a/Document/Internet of Things (IoT).pptx
+++ b/Document/Internet of Things (IoT).pptx
@@ -219,7 +219,7 @@
           <a:p>
             <a:fld id="{E4C3FCC2-4E7A-4671-AA79-177CB194E449}" type="datetimeFigureOut">
               <a:rPr lang="en-US" smtClean="0"/>
-              <a:t>7/10/2021</a:t>
+              <a:t>7/11/2021</a:t>
             </a:fld>
             <a:endParaRPr lang="en-US"/>
           </a:p>
@@ -2192,7 +2192,7 @@
           <a:p>
             <a:fld id="{4744E560-77BF-4D1A-B6E7-CD55CE12B1B8}" type="datetimeFigureOut">
               <a:rPr lang="en-US" smtClean="0"/>
-              <a:t>7/10/2021</a:t>
+              <a:t>7/11/2021</a:t>
             </a:fld>
             <a:endParaRPr lang="en-US"/>
           </a:p>
@@ -3915,8 +3915,8 @@
         </p:nvSpPr>
         <p:spPr>
           <a:xfrm>
-            <a:off x="849384" y="1537174"/>
-            <a:ext cx="6616818" cy="461665"/>
+            <a:off x="849383" y="1537174"/>
+            <a:ext cx="7824833" cy="461665"/>
           </a:xfrm>
           <a:prstGeom prst="rect">
             <a:avLst/>
@@ -3937,7 +3937,7 @@
                 <a:latin typeface="Segoe UI Semibold" panose="020B0702040204020203" pitchFamily="34" charset="0"/>
                 <a:cs typeface="Segoe UI Semibold" panose="020B0702040204020203" pitchFamily="34" charset="0"/>
               </a:rPr>
-              <a:t>Home Automation &amp; Fire Detection system</a:t>
+              <a:t>Home Automation &amp; Temperature Monitoring system</a:t>
             </a:r>
             <a:endParaRPr lang="en-IN" sz="2400" dirty="0"/>
           </a:p>
@@ -4357,10 +4357,40 @@
       </p:pic>
       <p:pic>
         <p:nvPicPr>
-          <p:cNvPr id="5144" name="Picture 24" descr="upload.wikimedia.org/wikipedia/commons/thumb/d/...">
-            <a:extLst>
-              <a:ext uri="{FF2B5EF4-FFF2-40B4-BE49-F238E27FC236}">
-                <a16:creationId xmlns:a16="http://schemas.microsoft.com/office/drawing/2014/main" id="{25794504-1712-43E9-A2AD-9D6D6E690253}"/>
+          <p:cNvPr id="21" name="Picture 20">
+            <a:extLst>
+              <a:ext uri="{FF2B5EF4-FFF2-40B4-BE49-F238E27FC236}">
+                <a16:creationId xmlns:a16="http://schemas.microsoft.com/office/drawing/2014/main" id="{B326BCEF-1356-422C-AD26-65850F15A960}"/>
+              </a:ext>
+            </a:extLst>
+          </p:cNvPr>
+          <p:cNvPicPr>
+            <a:picLocks noChangeAspect="1"/>
+          </p:cNvPicPr>
+          <p:nvPr/>
+        </p:nvPicPr>
+        <p:blipFill>
+          <a:blip r:embed="rId8"/>
+          <a:stretch>
+            <a:fillRect/>
+          </a:stretch>
+        </p:blipFill>
+        <p:spPr>
+          <a:xfrm>
+            <a:off x="9959086" y="3255013"/>
+            <a:ext cx="1333500" cy="1552575"/>
+          </a:xfrm>
+          <a:prstGeom prst="rect">
+            <a:avLst/>
+          </a:prstGeom>
+        </p:spPr>
+      </p:pic>
+      <p:pic>
+        <p:nvPicPr>
+          <p:cNvPr id="1026" name="Picture 2" descr="Angular - PRESS KIT">
+            <a:extLst>
+              <a:ext uri="{FF2B5EF4-FFF2-40B4-BE49-F238E27FC236}">
+                <a16:creationId xmlns:a16="http://schemas.microsoft.com/office/drawing/2014/main" id="{6B28E8E1-D28A-4415-974A-A6B50CB408B2}"/>
               </a:ext>
             </a:extLst>
           </p:cNvPr>
@@ -4370,7 +4400,7 @@
           <p:nvPr/>
         </p:nvPicPr>
         <p:blipFill>
-          <a:blip r:embed="rId8">
+          <a:blip r:embed="rId9">
             <a:extLst>
               <a:ext uri="{28A0092B-C50C-407E-A947-70E740481C1C}">
                 <a14:useLocalDpi xmlns:a14="http://schemas.microsoft.com/office/drawing/2010/main" val="0"/>
@@ -4384,8 +4414,8 @@
         </p:blipFill>
         <p:spPr bwMode="auto">
           <a:xfrm>
-            <a:off x="9612295" y="5251075"/>
-            <a:ext cx="1519511" cy="929522"/>
+            <a:off x="9842133" y="5041258"/>
+            <a:ext cx="1233073" cy="1306605"/>
           </a:xfrm>
           <a:prstGeom prst="rect">
             <a:avLst/>
@@ -4400,36 +4430,6 @@
               </a14:hiddenFill>
             </a:ext>
           </a:extLst>
-        </p:spPr>
-      </p:pic>
-      <p:pic>
-        <p:nvPicPr>
-          <p:cNvPr id="21" name="Picture 20">
-            <a:extLst>
-              <a:ext uri="{FF2B5EF4-FFF2-40B4-BE49-F238E27FC236}">
-                <a16:creationId xmlns:a16="http://schemas.microsoft.com/office/drawing/2014/main" id="{B326BCEF-1356-422C-AD26-65850F15A960}"/>
-              </a:ext>
-            </a:extLst>
-          </p:cNvPr>
-          <p:cNvPicPr>
-            <a:picLocks noChangeAspect="1"/>
-          </p:cNvPicPr>
-          <p:nvPr/>
-        </p:nvPicPr>
-        <p:blipFill>
-          <a:blip r:embed="rId9"/>
-          <a:stretch>
-            <a:fillRect/>
-          </a:stretch>
-        </p:blipFill>
-        <p:spPr>
-          <a:xfrm>
-            <a:off x="9959086" y="3255013"/>
-            <a:ext cx="1333500" cy="1552575"/>
-          </a:xfrm>
-          <a:prstGeom prst="rect">
-            <a:avLst/>
-          </a:prstGeom>
         </p:spPr>
       </p:pic>
     </p:spTree>
